--- a/ppt 16-9/0828.良人与我.pptx
+++ b/ppt 16-9/0828.良人与我.pptx
@@ -129,7 +129,7 @@
           <p:cNvPr id="2" name="标题 1">
             <a:extLst>
               <a:ext uri="{FF2B5EF4-FFF2-40B4-BE49-F238E27FC236}">
-                <a16:creationId xmlns:a16="http://schemas.microsoft.com/office/drawing/2014/main" id="{D83464EA-96AF-57C8-7CD0-7F4BCDA13D3A}"/>
+                <a16:creationId xmlns:a16="http://schemas.microsoft.com/office/drawing/2014/main" id="{3949B954-B4D4-9137-F53E-91B85E9A0322}"/>
               </a:ext>
             </a:extLst>
           </p:cNvPr>
@@ -166,7 +166,7 @@
           <p:cNvPr id="3" name="副标题 2">
             <a:extLst>
               <a:ext uri="{FF2B5EF4-FFF2-40B4-BE49-F238E27FC236}">
-                <a16:creationId xmlns:a16="http://schemas.microsoft.com/office/drawing/2014/main" id="{4DE1F57E-54A2-683C-6E8E-C9044C6A8E84}"/>
+                <a16:creationId xmlns:a16="http://schemas.microsoft.com/office/drawing/2014/main" id="{622608DC-3250-FA33-9979-0323444A888C}"/>
               </a:ext>
             </a:extLst>
           </p:cNvPr>
@@ -236,7 +236,7 @@
           <p:cNvPr id="4" name="日期占位符 3">
             <a:extLst>
               <a:ext uri="{FF2B5EF4-FFF2-40B4-BE49-F238E27FC236}">
-                <a16:creationId xmlns:a16="http://schemas.microsoft.com/office/drawing/2014/main" id="{3CED85A6-19A9-3890-179C-8625A17A749C}"/>
+                <a16:creationId xmlns:a16="http://schemas.microsoft.com/office/drawing/2014/main" id="{A9A8A390-BF1A-71E7-E177-C2902E18B519}"/>
               </a:ext>
             </a:extLst>
           </p:cNvPr>
@@ -252,7 +252,7 @@
           <a:bodyPr/>
           <a:lstStyle/>
           <a:p>
-            <a:fld id="{63D18575-257E-457E-B65E-A9583AB490FA}" type="datetimeFigureOut">
+            <a:fld id="{0551BC3E-4F99-4105-A417-15AB04F30EB2}" type="datetimeFigureOut">
               <a:rPr lang="zh-CN" altLang="en-US" smtClean="0"/>
               <a:t>2024/3/10</a:t>
             </a:fld>
@@ -265,7 +265,7 @@
           <p:cNvPr id="5" name="页脚占位符 4">
             <a:extLst>
               <a:ext uri="{FF2B5EF4-FFF2-40B4-BE49-F238E27FC236}">
-                <a16:creationId xmlns:a16="http://schemas.microsoft.com/office/drawing/2014/main" id="{3BB7E7F0-0C83-3074-213E-31121A1983F9}"/>
+                <a16:creationId xmlns:a16="http://schemas.microsoft.com/office/drawing/2014/main" id="{8CC90B29-6B93-5B5D-0595-310B03AC5687}"/>
               </a:ext>
             </a:extLst>
           </p:cNvPr>
@@ -290,7 +290,7 @@
           <p:cNvPr id="6" name="灯片编号占位符 5">
             <a:extLst>
               <a:ext uri="{FF2B5EF4-FFF2-40B4-BE49-F238E27FC236}">
-                <a16:creationId xmlns:a16="http://schemas.microsoft.com/office/drawing/2014/main" id="{2F2C819A-A6B2-9F56-4029-F045EDB85F37}"/>
+                <a16:creationId xmlns:a16="http://schemas.microsoft.com/office/drawing/2014/main" id="{86738D56-0590-4EF3-9F95-DBDCE1F2662E}"/>
               </a:ext>
             </a:extLst>
           </p:cNvPr>
@@ -306,7 +306,7 @@
           <a:bodyPr/>
           <a:lstStyle/>
           <a:p>
-            <a:fld id="{42A4C817-3BAF-4997-98C7-40C2983DBDF2}" type="slidenum">
+            <a:fld id="{92A5A891-6487-4FBB-B185-87CBED107859}" type="slidenum">
               <a:rPr lang="zh-CN" altLang="en-US" smtClean="0"/>
               <a:t>‹#›</a:t>
             </a:fld>
@@ -317,7 +317,7 @@
     </p:spTree>
     <p:extLst>
       <p:ext uri="{BB962C8B-B14F-4D97-AF65-F5344CB8AC3E}">
-        <p14:creationId xmlns:p14="http://schemas.microsoft.com/office/powerpoint/2010/main" val="1367261630"/>
+        <p14:creationId xmlns:p14="http://schemas.microsoft.com/office/powerpoint/2010/main" val="144142676"/>
       </p:ext>
     </p:extLst>
   </p:cSld>
@@ -349,7 +349,7 @@
           <p:cNvPr id="2" name="标题 1">
             <a:extLst>
               <a:ext uri="{FF2B5EF4-FFF2-40B4-BE49-F238E27FC236}">
-                <a16:creationId xmlns:a16="http://schemas.microsoft.com/office/drawing/2014/main" id="{D37A433F-E91F-EFB8-CC40-26A246277B8B}"/>
+                <a16:creationId xmlns:a16="http://schemas.microsoft.com/office/drawing/2014/main" id="{4E7D1BC3-265D-3F54-8AAA-25ACC5BC1323}"/>
               </a:ext>
             </a:extLst>
           </p:cNvPr>
@@ -377,7 +377,7 @@
           <p:cNvPr id="3" name="竖排文字占位符 2">
             <a:extLst>
               <a:ext uri="{FF2B5EF4-FFF2-40B4-BE49-F238E27FC236}">
-                <a16:creationId xmlns:a16="http://schemas.microsoft.com/office/drawing/2014/main" id="{0D953B1B-1C90-1138-C814-06A9BADF2D25}"/>
+                <a16:creationId xmlns:a16="http://schemas.microsoft.com/office/drawing/2014/main" id="{95EE8E39-BCEF-0D3E-183D-FA5FBD173B74}"/>
               </a:ext>
             </a:extLst>
           </p:cNvPr>
@@ -434,7 +434,7 @@
           <p:cNvPr id="4" name="日期占位符 3">
             <a:extLst>
               <a:ext uri="{FF2B5EF4-FFF2-40B4-BE49-F238E27FC236}">
-                <a16:creationId xmlns:a16="http://schemas.microsoft.com/office/drawing/2014/main" id="{464C64FB-A5D7-4C4C-00F4-BAE2DA676DC6}"/>
+                <a16:creationId xmlns:a16="http://schemas.microsoft.com/office/drawing/2014/main" id="{26EC6E03-C42B-455B-A004-E7C83A838578}"/>
               </a:ext>
             </a:extLst>
           </p:cNvPr>
@@ -450,7 +450,7 @@
           <a:bodyPr/>
           <a:lstStyle/>
           <a:p>
-            <a:fld id="{63D18575-257E-457E-B65E-A9583AB490FA}" type="datetimeFigureOut">
+            <a:fld id="{0551BC3E-4F99-4105-A417-15AB04F30EB2}" type="datetimeFigureOut">
               <a:rPr lang="zh-CN" altLang="en-US" smtClean="0"/>
               <a:t>2024/3/10</a:t>
             </a:fld>
@@ -463,7 +463,7 @@
           <p:cNvPr id="5" name="页脚占位符 4">
             <a:extLst>
               <a:ext uri="{FF2B5EF4-FFF2-40B4-BE49-F238E27FC236}">
-                <a16:creationId xmlns:a16="http://schemas.microsoft.com/office/drawing/2014/main" id="{D58CE275-872D-4154-5F2B-4F0927D56CF7}"/>
+                <a16:creationId xmlns:a16="http://schemas.microsoft.com/office/drawing/2014/main" id="{78BFBE7D-8D18-35E5-479C-D5DF4A12ED09}"/>
               </a:ext>
             </a:extLst>
           </p:cNvPr>
@@ -488,7 +488,7 @@
           <p:cNvPr id="6" name="灯片编号占位符 5">
             <a:extLst>
               <a:ext uri="{FF2B5EF4-FFF2-40B4-BE49-F238E27FC236}">
-                <a16:creationId xmlns:a16="http://schemas.microsoft.com/office/drawing/2014/main" id="{33538F1A-2CA9-B25E-A246-0B727F73B16D}"/>
+                <a16:creationId xmlns:a16="http://schemas.microsoft.com/office/drawing/2014/main" id="{838FC6E9-9E60-684A-2D66-95FE30ACFCD2}"/>
               </a:ext>
             </a:extLst>
           </p:cNvPr>
@@ -504,7 +504,7 @@
           <a:bodyPr/>
           <a:lstStyle/>
           <a:p>
-            <a:fld id="{42A4C817-3BAF-4997-98C7-40C2983DBDF2}" type="slidenum">
+            <a:fld id="{92A5A891-6487-4FBB-B185-87CBED107859}" type="slidenum">
               <a:rPr lang="zh-CN" altLang="en-US" smtClean="0"/>
               <a:t>‹#›</a:t>
             </a:fld>
@@ -515,7 +515,7 @@
     </p:spTree>
     <p:extLst>
       <p:ext uri="{BB962C8B-B14F-4D97-AF65-F5344CB8AC3E}">
-        <p14:creationId xmlns:p14="http://schemas.microsoft.com/office/powerpoint/2010/main" val="957585511"/>
+        <p14:creationId xmlns:p14="http://schemas.microsoft.com/office/powerpoint/2010/main" val="1055216972"/>
       </p:ext>
     </p:extLst>
   </p:cSld>
@@ -547,7 +547,7 @@
           <p:cNvPr id="2" name="竖排标题 1">
             <a:extLst>
               <a:ext uri="{FF2B5EF4-FFF2-40B4-BE49-F238E27FC236}">
-                <a16:creationId xmlns:a16="http://schemas.microsoft.com/office/drawing/2014/main" id="{E2E73330-98F9-9DEE-1C8A-FDBC1292E517}"/>
+                <a16:creationId xmlns:a16="http://schemas.microsoft.com/office/drawing/2014/main" id="{55EFC800-AE77-33F4-EF37-121BCA388110}"/>
               </a:ext>
             </a:extLst>
           </p:cNvPr>
@@ -580,7 +580,7 @@
           <p:cNvPr id="3" name="竖排文字占位符 2">
             <a:extLst>
               <a:ext uri="{FF2B5EF4-FFF2-40B4-BE49-F238E27FC236}">
-                <a16:creationId xmlns:a16="http://schemas.microsoft.com/office/drawing/2014/main" id="{6C35B3FB-FF4A-89C7-5687-37B13A2ADCC9}"/>
+                <a16:creationId xmlns:a16="http://schemas.microsoft.com/office/drawing/2014/main" id="{819BAE9D-2013-BFD8-6BA8-AD2E1392850A}"/>
               </a:ext>
             </a:extLst>
           </p:cNvPr>
@@ -642,7 +642,7 @@
           <p:cNvPr id="4" name="日期占位符 3">
             <a:extLst>
               <a:ext uri="{FF2B5EF4-FFF2-40B4-BE49-F238E27FC236}">
-                <a16:creationId xmlns:a16="http://schemas.microsoft.com/office/drawing/2014/main" id="{3E34B15E-37E7-112D-8CB9-8A6D1E739D68}"/>
+                <a16:creationId xmlns:a16="http://schemas.microsoft.com/office/drawing/2014/main" id="{3F55825F-8ABB-8D37-20EC-A0BB130E191E}"/>
               </a:ext>
             </a:extLst>
           </p:cNvPr>
@@ -658,7 +658,7 @@
           <a:bodyPr/>
           <a:lstStyle/>
           <a:p>
-            <a:fld id="{63D18575-257E-457E-B65E-A9583AB490FA}" type="datetimeFigureOut">
+            <a:fld id="{0551BC3E-4F99-4105-A417-15AB04F30EB2}" type="datetimeFigureOut">
               <a:rPr lang="zh-CN" altLang="en-US" smtClean="0"/>
               <a:t>2024/3/10</a:t>
             </a:fld>
@@ -671,7 +671,7 @@
           <p:cNvPr id="5" name="页脚占位符 4">
             <a:extLst>
               <a:ext uri="{FF2B5EF4-FFF2-40B4-BE49-F238E27FC236}">
-                <a16:creationId xmlns:a16="http://schemas.microsoft.com/office/drawing/2014/main" id="{B6675B0B-BF63-421D-D7AC-B92C71141CCB}"/>
+                <a16:creationId xmlns:a16="http://schemas.microsoft.com/office/drawing/2014/main" id="{3623C806-3BBD-9D57-FFFA-8BC7A2AD5783}"/>
               </a:ext>
             </a:extLst>
           </p:cNvPr>
@@ -696,7 +696,7 @@
           <p:cNvPr id="6" name="灯片编号占位符 5">
             <a:extLst>
               <a:ext uri="{FF2B5EF4-FFF2-40B4-BE49-F238E27FC236}">
-                <a16:creationId xmlns:a16="http://schemas.microsoft.com/office/drawing/2014/main" id="{27A02BFC-3BB6-C5A9-1508-F318BFFAE32D}"/>
+                <a16:creationId xmlns:a16="http://schemas.microsoft.com/office/drawing/2014/main" id="{136CD17D-AEF1-3CB1-AAAA-88C1062C7DDD}"/>
               </a:ext>
             </a:extLst>
           </p:cNvPr>
@@ -712,7 +712,7 @@
           <a:bodyPr/>
           <a:lstStyle/>
           <a:p>
-            <a:fld id="{42A4C817-3BAF-4997-98C7-40C2983DBDF2}" type="slidenum">
+            <a:fld id="{92A5A891-6487-4FBB-B185-87CBED107859}" type="slidenum">
               <a:rPr lang="zh-CN" altLang="en-US" smtClean="0"/>
               <a:t>‹#›</a:t>
             </a:fld>
@@ -723,7 +723,7 @@
     </p:spTree>
     <p:extLst>
       <p:ext uri="{BB962C8B-B14F-4D97-AF65-F5344CB8AC3E}">
-        <p14:creationId xmlns:p14="http://schemas.microsoft.com/office/powerpoint/2010/main" val="1737189085"/>
+        <p14:creationId xmlns:p14="http://schemas.microsoft.com/office/powerpoint/2010/main" val="7792060"/>
       </p:ext>
     </p:extLst>
   </p:cSld>
@@ -755,7 +755,7 @@
           <p:cNvPr id="2" name="标题 1">
             <a:extLst>
               <a:ext uri="{FF2B5EF4-FFF2-40B4-BE49-F238E27FC236}">
-                <a16:creationId xmlns:a16="http://schemas.microsoft.com/office/drawing/2014/main" id="{B6239F85-2976-B9E0-2EFF-59C335DF4E95}"/>
+                <a16:creationId xmlns:a16="http://schemas.microsoft.com/office/drawing/2014/main" id="{EA0B1F87-39A0-A8A2-6326-AA14CE35245E}"/>
               </a:ext>
             </a:extLst>
           </p:cNvPr>
@@ -783,7 +783,7 @@
           <p:cNvPr id="3" name="内容占位符 2">
             <a:extLst>
               <a:ext uri="{FF2B5EF4-FFF2-40B4-BE49-F238E27FC236}">
-                <a16:creationId xmlns:a16="http://schemas.microsoft.com/office/drawing/2014/main" id="{02D59EFF-036A-FA2E-0C6D-AB1DC6604B34}"/>
+                <a16:creationId xmlns:a16="http://schemas.microsoft.com/office/drawing/2014/main" id="{19BF265B-2A78-3590-A95E-32891070B67D}"/>
               </a:ext>
             </a:extLst>
           </p:cNvPr>
@@ -840,7 +840,7 @@
           <p:cNvPr id="4" name="日期占位符 3">
             <a:extLst>
               <a:ext uri="{FF2B5EF4-FFF2-40B4-BE49-F238E27FC236}">
-                <a16:creationId xmlns:a16="http://schemas.microsoft.com/office/drawing/2014/main" id="{A70ADE89-47D0-A41F-F2F7-815B8D661AF5}"/>
+                <a16:creationId xmlns:a16="http://schemas.microsoft.com/office/drawing/2014/main" id="{D22F0070-3110-AE7E-3E97-3BEA8A531525}"/>
               </a:ext>
             </a:extLst>
           </p:cNvPr>
@@ -856,7 +856,7 @@
           <a:bodyPr/>
           <a:lstStyle/>
           <a:p>
-            <a:fld id="{63D18575-257E-457E-B65E-A9583AB490FA}" type="datetimeFigureOut">
+            <a:fld id="{0551BC3E-4F99-4105-A417-15AB04F30EB2}" type="datetimeFigureOut">
               <a:rPr lang="zh-CN" altLang="en-US" smtClean="0"/>
               <a:t>2024/3/10</a:t>
             </a:fld>
@@ -869,7 +869,7 @@
           <p:cNvPr id="5" name="页脚占位符 4">
             <a:extLst>
               <a:ext uri="{FF2B5EF4-FFF2-40B4-BE49-F238E27FC236}">
-                <a16:creationId xmlns:a16="http://schemas.microsoft.com/office/drawing/2014/main" id="{7CA840CD-475C-CDB9-730C-0F3CC9FC0710}"/>
+                <a16:creationId xmlns:a16="http://schemas.microsoft.com/office/drawing/2014/main" id="{336A60C6-4B7C-2C72-209E-5C21857818E8}"/>
               </a:ext>
             </a:extLst>
           </p:cNvPr>
@@ -894,7 +894,7 @@
           <p:cNvPr id="6" name="灯片编号占位符 5">
             <a:extLst>
               <a:ext uri="{FF2B5EF4-FFF2-40B4-BE49-F238E27FC236}">
-                <a16:creationId xmlns:a16="http://schemas.microsoft.com/office/drawing/2014/main" id="{67B800DC-97B2-703F-1AAD-701B09378E84}"/>
+                <a16:creationId xmlns:a16="http://schemas.microsoft.com/office/drawing/2014/main" id="{AA505A99-C782-69A4-C745-A3ED7A844B1B}"/>
               </a:ext>
             </a:extLst>
           </p:cNvPr>
@@ -910,7 +910,7 @@
           <a:bodyPr/>
           <a:lstStyle/>
           <a:p>
-            <a:fld id="{42A4C817-3BAF-4997-98C7-40C2983DBDF2}" type="slidenum">
+            <a:fld id="{92A5A891-6487-4FBB-B185-87CBED107859}" type="slidenum">
               <a:rPr lang="zh-CN" altLang="en-US" smtClean="0"/>
               <a:t>‹#›</a:t>
             </a:fld>
@@ -921,7 +921,7 @@
     </p:spTree>
     <p:extLst>
       <p:ext uri="{BB962C8B-B14F-4D97-AF65-F5344CB8AC3E}">
-        <p14:creationId xmlns:p14="http://schemas.microsoft.com/office/powerpoint/2010/main" val="41152194"/>
+        <p14:creationId xmlns:p14="http://schemas.microsoft.com/office/powerpoint/2010/main" val="2754093669"/>
       </p:ext>
     </p:extLst>
   </p:cSld>
@@ -953,7 +953,7 @@
           <p:cNvPr id="2" name="标题 1">
             <a:extLst>
               <a:ext uri="{FF2B5EF4-FFF2-40B4-BE49-F238E27FC236}">
-                <a16:creationId xmlns:a16="http://schemas.microsoft.com/office/drawing/2014/main" id="{49D0A983-5736-96E4-0889-7D1DE337EF38}"/>
+                <a16:creationId xmlns:a16="http://schemas.microsoft.com/office/drawing/2014/main" id="{E51EF32F-37B3-D57B-265E-E7C9FD7BCAA7}"/>
               </a:ext>
             </a:extLst>
           </p:cNvPr>
@@ -990,7 +990,7 @@
           <p:cNvPr id="3" name="文本占位符 2">
             <a:extLst>
               <a:ext uri="{FF2B5EF4-FFF2-40B4-BE49-F238E27FC236}">
-                <a16:creationId xmlns:a16="http://schemas.microsoft.com/office/drawing/2014/main" id="{DD6DD3A1-3ED3-37CF-8294-C2B32C173414}"/>
+                <a16:creationId xmlns:a16="http://schemas.microsoft.com/office/drawing/2014/main" id="{EB813D10-9721-129B-01F7-A6C5D53BDF12}"/>
               </a:ext>
             </a:extLst>
           </p:cNvPr>
@@ -1115,7 +1115,7 @@
           <p:cNvPr id="4" name="日期占位符 3">
             <a:extLst>
               <a:ext uri="{FF2B5EF4-FFF2-40B4-BE49-F238E27FC236}">
-                <a16:creationId xmlns:a16="http://schemas.microsoft.com/office/drawing/2014/main" id="{B8D5B62E-3D4E-E613-8733-69491F450A40}"/>
+                <a16:creationId xmlns:a16="http://schemas.microsoft.com/office/drawing/2014/main" id="{0AD24B0F-7949-3FE0-003F-43E33FCB1C3E}"/>
               </a:ext>
             </a:extLst>
           </p:cNvPr>
@@ -1131,7 +1131,7 @@
           <a:bodyPr/>
           <a:lstStyle/>
           <a:p>
-            <a:fld id="{63D18575-257E-457E-B65E-A9583AB490FA}" type="datetimeFigureOut">
+            <a:fld id="{0551BC3E-4F99-4105-A417-15AB04F30EB2}" type="datetimeFigureOut">
               <a:rPr lang="zh-CN" altLang="en-US" smtClean="0"/>
               <a:t>2024/3/10</a:t>
             </a:fld>
@@ -1144,7 +1144,7 @@
           <p:cNvPr id="5" name="页脚占位符 4">
             <a:extLst>
               <a:ext uri="{FF2B5EF4-FFF2-40B4-BE49-F238E27FC236}">
-                <a16:creationId xmlns:a16="http://schemas.microsoft.com/office/drawing/2014/main" id="{C89108FD-A739-544A-9399-CDBAC236884C}"/>
+                <a16:creationId xmlns:a16="http://schemas.microsoft.com/office/drawing/2014/main" id="{97A02AB9-D398-1FE0-3DE1-6772705A9AA6}"/>
               </a:ext>
             </a:extLst>
           </p:cNvPr>
@@ -1169,7 +1169,7 @@
           <p:cNvPr id="6" name="灯片编号占位符 5">
             <a:extLst>
               <a:ext uri="{FF2B5EF4-FFF2-40B4-BE49-F238E27FC236}">
-                <a16:creationId xmlns:a16="http://schemas.microsoft.com/office/drawing/2014/main" id="{43A231F3-F770-CBC2-637A-928A2DCCD263}"/>
+                <a16:creationId xmlns:a16="http://schemas.microsoft.com/office/drawing/2014/main" id="{08EAE349-F56C-92F8-6D56-362A2E1F06E5}"/>
               </a:ext>
             </a:extLst>
           </p:cNvPr>
@@ -1185,7 +1185,7 @@
           <a:bodyPr/>
           <a:lstStyle/>
           <a:p>
-            <a:fld id="{42A4C817-3BAF-4997-98C7-40C2983DBDF2}" type="slidenum">
+            <a:fld id="{92A5A891-6487-4FBB-B185-87CBED107859}" type="slidenum">
               <a:rPr lang="zh-CN" altLang="en-US" smtClean="0"/>
               <a:t>‹#›</a:t>
             </a:fld>
@@ -1196,7 +1196,7 @@
     </p:spTree>
     <p:extLst>
       <p:ext uri="{BB962C8B-B14F-4D97-AF65-F5344CB8AC3E}">
-        <p14:creationId xmlns:p14="http://schemas.microsoft.com/office/powerpoint/2010/main" val="3617385862"/>
+        <p14:creationId xmlns:p14="http://schemas.microsoft.com/office/powerpoint/2010/main" val="4129121270"/>
       </p:ext>
     </p:extLst>
   </p:cSld>
@@ -1228,7 +1228,7 @@
           <p:cNvPr id="2" name="标题 1">
             <a:extLst>
               <a:ext uri="{FF2B5EF4-FFF2-40B4-BE49-F238E27FC236}">
-                <a16:creationId xmlns:a16="http://schemas.microsoft.com/office/drawing/2014/main" id="{5CB0BF87-C405-B40E-5265-21ADD32F14FE}"/>
+                <a16:creationId xmlns:a16="http://schemas.microsoft.com/office/drawing/2014/main" id="{7D6CA879-9E93-3E78-2525-FACF802E81EF}"/>
               </a:ext>
             </a:extLst>
           </p:cNvPr>
@@ -1256,7 +1256,7 @@
           <p:cNvPr id="3" name="内容占位符 2">
             <a:extLst>
               <a:ext uri="{FF2B5EF4-FFF2-40B4-BE49-F238E27FC236}">
-                <a16:creationId xmlns:a16="http://schemas.microsoft.com/office/drawing/2014/main" id="{69B78A5B-F2FE-5DA8-8802-A675692B79CC}"/>
+                <a16:creationId xmlns:a16="http://schemas.microsoft.com/office/drawing/2014/main" id="{2C258F16-9FCE-51E6-28E7-BFF110DDFC60}"/>
               </a:ext>
             </a:extLst>
           </p:cNvPr>
@@ -1318,7 +1318,7 @@
           <p:cNvPr id="4" name="内容占位符 3">
             <a:extLst>
               <a:ext uri="{FF2B5EF4-FFF2-40B4-BE49-F238E27FC236}">
-                <a16:creationId xmlns:a16="http://schemas.microsoft.com/office/drawing/2014/main" id="{ED78B7D3-4D15-7278-C806-D5E0E971FEFE}"/>
+                <a16:creationId xmlns:a16="http://schemas.microsoft.com/office/drawing/2014/main" id="{6A30DC79-5CFA-27A1-758C-10D0015F511F}"/>
               </a:ext>
             </a:extLst>
           </p:cNvPr>
@@ -1380,7 +1380,7 @@
           <p:cNvPr id="5" name="日期占位符 4">
             <a:extLst>
               <a:ext uri="{FF2B5EF4-FFF2-40B4-BE49-F238E27FC236}">
-                <a16:creationId xmlns:a16="http://schemas.microsoft.com/office/drawing/2014/main" id="{03A56A0D-CD9D-782D-0C1C-C1B8EC18581B}"/>
+                <a16:creationId xmlns:a16="http://schemas.microsoft.com/office/drawing/2014/main" id="{23977D6B-82E9-A151-E012-122C0DFCFA1C}"/>
               </a:ext>
             </a:extLst>
           </p:cNvPr>
@@ -1396,7 +1396,7 @@
           <a:bodyPr/>
           <a:lstStyle/>
           <a:p>
-            <a:fld id="{63D18575-257E-457E-B65E-A9583AB490FA}" type="datetimeFigureOut">
+            <a:fld id="{0551BC3E-4F99-4105-A417-15AB04F30EB2}" type="datetimeFigureOut">
               <a:rPr lang="zh-CN" altLang="en-US" smtClean="0"/>
               <a:t>2024/3/10</a:t>
             </a:fld>
@@ -1409,7 +1409,7 @@
           <p:cNvPr id="6" name="页脚占位符 5">
             <a:extLst>
               <a:ext uri="{FF2B5EF4-FFF2-40B4-BE49-F238E27FC236}">
-                <a16:creationId xmlns:a16="http://schemas.microsoft.com/office/drawing/2014/main" id="{2881E9F6-DAA0-5BCA-5924-5AAEB73C64B8}"/>
+                <a16:creationId xmlns:a16="http://schemas.microsoft.com/office/drawing/2014/main" id="{DA9672AB-A98F-B122-DB34-58BA7D86563A}"/>
               </a:ext>
             </a:extLst>
           </p:cNvPr>
@@ -1434,7 +1434,7 @@
           <p:cNvPr id="7" name="灯片编号占位符 6">
             <a:extLst>
               <a:ext uri="{FF2B5EF4-FFF2-40B4-BE49-F238E27FC236}">
-                <a16:creationId xmlns:a16="http://schemas.microsoft.com/office/drawing/2014/main" id="{DFB0B353-EDFA-DED8-5564-8373AA4DE648}"/>
+                <a16:creationId xmlns:a16="http://schemas.microsoft.com/office/drawing/2014/main" id="{BB453D47-1F57-8333-12C9-06130ECAA4AA}"/>
               </a:ext>
             </a:extLst>
           </p:cNvPr>
@@ -1450,7 +1450,7 @@
           <a:bodyPr/>
           <a:lstStyle/>
           <a:p>
-            <a:fld id="{42A4C817-3BAF-4997-98C7-40C2983DBDF2}" type="slidenum">
+            <a:fld id="{92A5A891-6487-4FBB-B185-87CBED107859}" type="slidenum">
               <a:rPr lang="zh-CN" altLang="en-US" smtClean="0"/>
               <a:t>‹#›</a:t>
             </a:fld>
@@ -1461,7 +1461,7 @@
     </p:spTree>
     <p:extLst>
       <p:ext uri="{BB962C8B-B14F-4D97-AF65-F5344CB8AC3E}">
-        <p14:creationId xmlns:p14="http://schemas.microsoft.com/office/powerpoint/2010/main" val="3033034411"/>
+        <p14:creationId xmlns:p14="http://schemas.microsoft.com/office/powerpoint/2010/main" val="3481262539"/>
       </p:ext>
     </p:extLst>
   </p:cSld>
@@ -1493,7 +1493,7 @@
           <p:cNvPr id="2" name="标题 1">
             <a:extLst>
               <a:ext uri="{FF2B5EF4-FFF2-40B4-BE49-F238E27FC236}">
-                <a16:creationId xmlns:a16="http://schemas.microsoft.com/office/drawing/2014/main" id="{B4CCA5E0-2B1E-0947-5EE5-4A36F881F01C}"/>
+                <a16:creationId xmlns:a16="http://schemas.microsoft.com/office/drawing/2014/main" id="{04CCCB1A-22CB-56DE-D81E-34E6320C03F8}"/>
               </a:ext>
             </a:extLst>
           </p:cNvPr>
@@ -1526,7 +1526,7 @@
           <p:cNvPr id="3" name="文本占位符 2">
             <a:extLst>
               <a:ext uri="{FF2B5EF4-FFF2-40B4-BE49-F238E27FC236}">
-                <a16:creationId xmlns:a16="http://schemas.microsoft.com/office/drawing/2014/main" id="{653DF958-941B-FE76-2128-9FC2B7BBC47B}"/>
+                <a16:creationId xmlns:a16="http://schemas.microsoft.com/office/drawing/2014/main" id="{61C70C99-3077-25D2-7553-01F40B1035C5}"/>
               </a:ext>
             </a:extLst>
           </p:cNvPr>
@@ -1597,7 +1597,7 @@
           <p:cNvPr id="4" name="内容占位符 3">
             <a:extLst>
               <a:ext uri="{FF2B5EF4-FFF2-40B4-BE49-F238E27FC236}">
-                <a16:creationId xmlns:a16="http://schemas.microsoft.com/office/drawing/2014/main" id="{39B50C27-0D57-2691-714F-45B1BF5ABDA8}"/>
+                <a16:creationId xmlns:a16="http://schemas.microsoft.com/office/drawing/2014/main" id="{17FD70AD-4684-3D3F-CF47-54680A6E44CB}"/>
               </a:ext>
             </a:extLst>
           </p:cNvPr>
@@ -1659,7 +1659,7 @@
           <p:cNvPr id="5" name="文本占位符 4">
             <a:extLst>
               <a:ext uri="{FF2B5EF4-FFF2-40B4-BE49-F238E27FC236}">
-                <a16:creationId xmlns:a16="http://schemas.microsoft.com/office/drawing/2014/main" id="{EC5CC4EB-98A9-F80E-E5D7-C83A34121388}"/>
+                <a16:creationId xmlns:a16="http://schemas.microsoft.com/office/drawing/2014/main" id="{F4A59E75-2D7D-0267-FDF9-C4ECBF66F2BA}"/>
               </a:ext>
             </a:extLst>
           </p:cNvPr>
@@ -1730,7 +1730,7 @@
           <p:cNvPr id="6" name="内容占位符 5">
             <a:extLst>
               <a:ext uri="{FF2B5EF4-FFF2-40B4-BE49-F238E27FC236}">
-                <a16:creationId xmlns:a16="http://schemas.microsoft.com/office/drawing/2014/main" id="{C59F5E2E-FBF5-2DBA-7D7B-64B8195952DE}"/>
+                <a16:creationId xmlns:a16="http://schemas.microsoft.com/office/drawing/2014/main" id="{0D1F9FCF-1AA2-BD7B-11A4-C82791C4E21A}"/>
               </a:ext>
             </a:extLst>
           </p:cNvPr>
@@ -1792,7 +1792,7 @@
           <p:cNvPr id="7" name="日期占位符 6">
             <a:extLst>
               <a:ext uri="{FF2B5EF4-FFF2-40B4-BE49-F238E27FC236}">
-                <a16:creationId xmlns:a16="http://schemas.microsoft.com/office/drawing/2014/main" id="{53BE41B9-B8E7-9D30-36FE-FE7B9C31B545}"/>
+                <a16:creationId xmlns:a16="http://schemas.microsoft.com/office/drawing/2014/main" id="{AC3652D8-4DC9-DBD8-F591-0E3C6F441CB2}"/>
               </a:ext>
             </a:extLst>
           </p:cNvPr>
@@ -1808,7 +1808,7 @@
           <a:bodyPr/>
           <a:lstStyle/>
           <a:p>
-            <a:fld id="{63D18575-257E-457E-B65E-A9583AB490FA}" type="datetimeFigureOut">
+            <a:fld id="{0551BC3E-4F99-4105-A417-15AB04F30EB2}" type="datetimeFigureOut">
               <a:rPr lang="zh-CN" altLang="en-US" smtClean="0"/>
               <a:t>2024/3/10</a:t>
             </a:fld>
@@ -1821,7 +1821,7 @@
           <p:cNvPr id="8" name="页脚占位符 7">
             <a:extLst>
               <a:ext uri="{FF2B5EF4-FFF2-40B4-BE49-F238E27FC236}">
-                <a16:creationId xmlns:a16="http://schemas.microsoft.com/office/drawing/2014/main" id="{0437B615-9B70-3599-BC3E-E02CE9F97ED5}"/>
+                <a16:creationId xmlns:a16="http://schemas.microsoft.com/office/drawing/2014/main" id="{9F812CA1-74F5-ADCF-E8EA-E7ED40647F28}"/>
               </a:ext>
             </a:extLst>
           </p:cNvPr>
@@ -1846,7 +1846,7 @@
           <p:cNvPr id="9" name="灯片编号占位符 8">
             <a:extLst>
               <a:ext uri="{FF2B5EF4-FFF2-40B4-BE49-F238E27FC236}">
-                <a16:creationId xmlns:a16="http://schemas.microsoft.com/office/drawing/2014/main" id="{02B7EF6F-0BDF-45C0-A867-CDE4ED28EC56}"/>
+                <a16:creationId xmlns:a16="http://schemas.microsoft.com/office/drawing/2014/main" id="{71FBB777-81FF-52CE-D851-18B753589EA6}"/>
               </a:ext>
             </a:extLst>
           </p:cNvPr>
@@ -1862,7 +1862,7 @@
           <a:bodyPr/>
           <a:lstStyle/>
           <a:p>
-            <a:fld id="{42A4C817-3BAF-4997-98C7-40C2983DBDF2}" type="slidenum">
+            <a:fld id="{92A5A891-6487-4FBB-B185-87CBED107859}" type="slidenum">
               <a:rPr lang="zh-CN" altLang="en-US" smtClean="0"/>
               <a:t>‹#›</a:t>
             </a:fld>
@@ -1873,7 +1873,7 @@
     </p:spTree>
     <p:extLst>
       <p:ext uri="{BB962C8B-B14F-4D97-AF65-F5344CB8AC3E}">
-        <p14:creationId xmlns:p14="http://schemas.microsoft.com/office/powerpoint/2010/main" val="4252769900"/>
+        <p14:creationId xmlns:p14="http://schemas.microsoft.com/office/powerpoint/2010/main" val="3989676423"/>
       </p:ext>
     </p:extLst>
   </p:cSld>
@@ -1905,7 +1905,7 @@
           <p:cNvPr id="2" name="标题 1">
             <a:extLst>
               <a:ext uri="{FF2B5EF4-FFF2-40B4-BE49-F238E27FC236}">
-                <a16:creationId xmlns:a16="http://schemas.microsoft.com/office/drawing/2014/main" id="{C7031AB4-367A-182B-8067-88B6BD544AD1}"/>
+                <a16:creationId xmlns:a16="http://schemas.microsoft.com/office/drawing/2014/main" id="{9DD32055-007C-1970-51BE-5B99D393D5F0}"/>
               </a:ext>
             </a:extLst>
           </p:cNvPr>
@@ -1933,7 +1933,7 @@
           <p:cNvPr id="3" name="日期占位符 2">
             <a:extLst>
               <a:ext uri="{FF2B5EF4-FFF2-40B4-BE49-F238E27FC236}">
-                <a16:creationId xmlns:a16="http://schemas.microsoft.com/office/drawing/2014/main" id="{90BAF15F-DE23-D3CD-B573-492E84DA44CC}"/>
+                <a16:creationId xmlns:a16="http://schemas.microsoft.com/office/drawing/2014/main" id="{7C3BB9E5-2451-4A17-075C-3D06AE7EE681}"/>
               </a:ext>
             </a:extLst>
           </p:cNvPr>
@@ -1949,7 +1949,7 @@
           <a:bodyPr/>
           <a:lstStyle/>
           <a:p>
-            <a:fld id="{63D18575-257E-457E-B65E-A9583AB490FA}" type="datetimeFigureOut">
+            <a:fld id="{0551BC3E-4F99-4105-A417-15AB04F30EB2}" type="datetimeFigureOut">
               <a:rPr lang="zh-CN" altLang="en-US" smtClean="0"/>
               <a:t>2024/3/10</a:t>
             </a:fld>
@@ -1962,7 +1962,7 @@
           <p:cNvPr id="4" name="页脚占位符 3">
             <a:extLst>
               <a:ext uri="{FF2B5EF4-FFF2-40B4-BE49-F238E27FC236}">
-                <a16:creationId xmlns:a16="http://schemas.microsoft.com/office/drawing/2014/main" id="{46A3EACB-A072-CFD5-BA93-B99F5C248C87}"/>
+                <a16:creationId xmlns:a16="http://schemas.microsoft.com/office/drawing/2014/main" id="{50713AA2-F0AF-ED67-6AF3-605D945C7608}"/>
               </a:ext>
             </a:extLst>
           </p:cNvPr>
@@ -1987,7 +1987,7 @@
           <p:cNvPr id="5" name="灯片编号占位符 4">
             <a:extLst>
               <a:ext uri="{FF2B5EF4-FFF2-40B4-BE49-F238E27FC236}">
-                <a16:creationId xmlns:a16="http://schemas.microsoft.com/office/drawing/2014/main" id="{42751477-FEB4-0054-04A3-F826928CE966}"/>
+                <a16:creationId xmlns:a16="http://schemas.microsoft.com/office/drawing/2014/main" id="{C38F6B7E-5160-BB13-5B5F-2286354F892A}"/>
               </a:ext>
             </a:extLst>
           </p:cNvPr>
@@ -2003,7 +2003,7 @@
           <a:bodyPr/>
           <a:lstStyle/>
           <a:p>
-            <a:fld id="{42A4C817-3BAF-4997-98C7-40C2983DBDF2}" type="slidenum">
+            <a:fld id="{92A5A891-6487-4FBB-B185-87CBED107859}" type="slidenum">
               <a:rPr lang="zh-CN" altLang="en-US" smtClean="0"/>
               <a:t>‹#›</a:t>
             </a:fld>
@@ -2014,7 +2014,7 @@
     </p:spTree>
     <p:extLst>
       <p:ext uri="{BB962C8B-B14F-4D97-AF65-F5344CB8AC3E}">
-        <p14:creationId xmlns:p14="http://schemas.microsoft.com/office/powerpoint/2010/main" val="3579312760"/>
+        <p14:creationId xmlns:p14="http://schemas.microsoft.com/office/powerpoint/2010/main" val="4164722289"/>
       </p:ext>
     </p:extLst>
   </p:cSld>
@@ -2046,7 +2046,7 @@
           <p:cNvPr id="2" name="日期占位符 1">
             <a:extLst>
               <a:ext uri="{FF2B5EF4-FFF2-40B4-BE49-F238E27FC236}">
-                <a16:creationId xmlns:a16="http://schemas.microsoft.com/office/drawing/2014/main" id="{D040503C-B7EE-AED6-D4D6-0FCDD86545FC}"/>
+                <a16:creationId xmlns:a16="http://schemas.microsoft.com/office/drawing/2014/main" id="{A097FE47-92D3-303F-8A3A-22BFACA600F2}"/>
               </a:ext>
             </a:extLst>
           </p:cNvPr>
@@ -2062,7 +2062,7 @@
           <a:bodyPr/>
           <a:lstStyle/>
           <a:p>
-            <a:fld id="{63D18575-257E-457E-B65E-A9583AB490FA}" type="datetimeFigureOut">
+            <a:fld id="{0551BC3E-4F99-4105-A417-15AB04F30EB2}" type="datetimeFigureOut">
               <a:rPr lang="zh-CN" altLang="en-US" smtClean="0"/>
               <a:t>2024/3/10</a:t>
             </a:fld>
@@ -2075,7 +2075,7 @@
           <p:cNvPr id="3" name="页脚占位符 2">
             <a:extLst>
               <a:ext uri="{FF2B5EF4-FFF2-40B4-BE49-F238E27FC236}">
-                <a16:creationId xmlns:a16="http://schemas.microsoft.com/office/drawing/2014/main" id="{E9840FAF-C25C-4DF4-C692-CA464636BC50}"/>
+                <a16:creationId xmlns:a16="http://schemas.microsoft.com/office/drawing/2014/main" id="{4A309748-4B89-6D60-B74C-06F3C18CB2D2}"/>
               </a:ext>
             </a:extLst>
           </p:cNvPr>
@@ -2100,7 +2100,7 @@
           <p:cNvPr id="4" name="灯片编号占位符 3">
             <a:extLst>
               <a:ext uri="{FF2B5EF4-FFF2-40B4-BE49-F238E27FC236}">
-                <a16:creationId xmlns:a16="http://schemas.microsoft.com/office/drawing/2014/main" id="{6F0475AB-FC38-B30E-7578-DF5C3D4D5DD0}"/>
+                <a16:creationId xmlns:a16="http://schemas.microsoft.com/office/drawing/2014/main" id="{000B1AA4-DD8D-256D-1757-C57F05466518}"/>
               </a:ext>
             </a:extLst>
           </p:cNvPr>
@@ -2116,7 +2116,7 @@
           <a:bodyPr/>
           <a:lstStyle/>
           <a:p>
-            <a:fld id="{42A4C817-3BAF-4997-98C7-40C2983DBDF2}" type="slidenum">
+            <a:fld id="{92A5A891-6487-4FBB-B185-87CBED107859}" type="slidenum">
               <a:rPr lang="zh-CN" altLang="en-US" smtClean="0"/>
               <a:t>‹#›</a:t>
             </a:fld>
@@ -2127,7 +2127,7 @@
     </p:spTree>
     <p:extLst>
       <p:ext uri="{BB962C8B-B14F-4D97-AF65-F5344CB8AC3E}">
-        <p14:creationId xmlns:p14="http://schemas.microsoft.com/office/powerpoint/2010/main" val="1552087466"/>
+        <p14:creationId xmlns:p14="http://schemas.microsoft.com/office/powerpoint/2010/main" val="3809064247"/>
       </p:ext>
     </p:extLst>
   </p:cSld>
@@ -2159,7 +2159,7 @@
           <p:cNvPr id="2" name="标题 1">
             <a:extLst>
               <a:ext uri="{FF2B5EF4-FFF2-40B4-BE49-F238E27FC236}">
-                <a16:creationId xmlns:a16="http://schemas.microsoft.com/office/drawing/2014/main" id="{FFE304B5-B882-840E-B8E7-61EDEC815ACA}"/>
+                <a16:creationId xmlns:a16="http://schemas.microsoft.com/office/drawing/2014/main" id="{133CFDE4-4846-EDE8-55D9-C60242B8D89B}"/>
               </a:ext>
             </a:extLst>
           </p:cNvPr>
@@ -2196,7 +2196,7 @@
           <p:cNvPr id="3" name="内容占位符 2">
             <a:extLst>
               <a:ext uri="{FF2B5EF4-FFF2-40B4-BE49-F238E27FC236}">
-                <a16:creationId xmlns:a16="http://schemas.microsoft.com/office/drawing/2014/main" id="{B742A069-B21A-9459-EB6A-244943C2D9D9}"/>
+                <a16:creationId xmlns:a16="http://schemas.microsoft.com/office/drawing/2014/main" id="{6C90A811-A2A2-9FB4-798B-77732569829A}"/>
               </a:ext>
             </a:extLst>
           </p:cNvPr>
@@ -2286,7 +2286,7 @@
           <p:cNvPr id="4" name="文本占位符 3">
             <a:extLst>
               <a:ext uri="{FF2B5EF4-FFF2-40B4-BE49-F238E27FC236}">
-                <a16:creationId xmlns:a16="http://schemas.microsoft.com/office/drawing/2014/main" id="{80C4C2EA-9206-2AB8-D838-0B6377648A16}"/>
+                <a16:creationId xmlns:a16="http://schemas.microsoft.com/office/drawing/2014/main" id="{ECA99DC1-9DF1-6EB5-AB6F-322169EE2AC1}"/>
               </a:ext>
             </a:extLst>
           </p:cNvPr>
@@ -2357,7 +2357,7 @@
           <p:cNvPr id="5" name="日期占位符 4">
             <a:extLst>
               <a:ext uri="{FF2B5EF4-FFF2-40B4-BE49-F238E27FC236}">
-                <a16:creationId xmlns:a16="http://schemas.microsoft.com/office/drawing/2014/main" id="{E1C962EB-26D4-247C-E051-5568149209A7}"/>
+                <a16:creationId xmlns:a16="http://schemas.microsoft.com/office/drawing/2014/main" id="{4012EACC-465A-09F5-1DF1-EE54F9CAF3BE}"/>
               </a:ext>
             </a:extLst>
           </p:cNvPr>
@@ -2373,7 +2373,7 @@
           <a:bodyPr/>
           <a:lstStyle/>
           <a:p>
-            <a:fld id="{63D18575-257E-457E-B65E-A9583AB490FA}" type="datetimeFigureOut">
+            <a:fld id="{0551BC3E-4F99-4105-A417-15AB04F30EB2}" type="datetimeFigureOut">
               <a:rPr lang="zh-CN" altLang="en-US" smtClean="0"/>
               <a:t>2024/3/10</a:t>
             </a:fld>
@@ -2386,7 +2386,7 @@
           <p:cNvPr id="6" name="页脚占位符 5">
             <a:extLst>
               <a:ext uri="{FF2B5EF4-FFF2-40B4-BE49-F238E27FC236}">
-                <a16:creationId xmlns:a16="http://schemas.microsoft.com/office/drawing/2014/main" id="{3317087C-D962-82F7-4425-C475550C8428}"/>
+                <a16:creationId xmlns:a16="http://schemas.microsoft.com/office/drawing/2014/main" id="{696410DA-030E-4E22-94EE-43502462AE6D}"/>
               </a:ext>
             </a:extLst>
           </p:cNvPr>
@@ -2411,7 +2411,7 @@
           <p:cNvPr id="7" name="灯片编号占位符 6">
             <a:extLst>
               <a:ext uri="{FF2B5EF4-FFF2-40B4-BE49-F238E27FC236}">
-                <a16:creationId xmlns:a16="http://schemas.microsoft.com/office/drawing/2014/main" id="{64307545-6A99-FBF0-8656-27360814D8C9}"/>
+                <a16:creationId xmlns:a16="http://schemas.microsoft.com/office/drawing/2014/main" id="{71912A86-95D2-6ED5-82E7-0A4A0EA13494}"/>
               </a:ext>
             </a:extLst>
           </p:cNvPr>
@@ -2427,7 +2427,7 @@
           <a:bodyPr/>
           <a:lstStyle/>
           <a:p>
-            <a:fld id="{42A4C817-3BAF-4997-98C7-40C2983DBDF2}" type="slidenum">
+            <a:fld id="{92A5A891-6487-4FBB-B185-87CBED107859}" type="slidenum">
               <a:rPr lang="zh-CN" altLang="en-US" smtClean="0"/>
               <a:t>‹#›</a:t>
             </a:fld>
@@ -2438,7 +2438,7 @@
     </p:spTree>
     <p:extLst>
       <p:ext uri="{BB962C8B-B14F-4D97-AF65-F5344CB8AC3E}">
-        <p14:creationId xmlns:p14="http://schemas.microsoft.com/office/powerpoint/2010/main" val="2208854080"/>
+        <p14:creationId xmlns:p14="http://schemas.microsoft.com/office/powerpoint/2010/main" val="3006044095"/>
       </p:ext>
     </p:extLst>
   </p:cSld>
@@ -2470,7 +2470,7 @@
           <p:cNvPr id="2" name="标题 1">
             <a:extLst>
               <a:ext uri="{FF2B5EF4-FFF2-40B4-BE49-F238E27FC236}">
-                <a16:creationId xmlns:a16="http://schemas.microsoft.com/office/drawing/2014/main" id="{0EA6DDA4-A699-6C40-482E-CE2D9B7F4802}"/>
+                <a16:creationId xmlns:a16="http://schemas.microsoft.com/office/drawing/2014/main" id="{42116172-EF40-CB90-25B7-D398753A9D11}"/>
               </a:ext>
             </a:extLst>
           </p:cNvPr>
@@ -2507,7 +2507,7 @@
           <p:cNvPr id="3" name="图片占位符 2">
             <a:extLst>
               <a:ext uri="{FF2B5EF4-FFF2-40B4-BE49-F238E27FC236}">
-                <a16:creationId xmlns:a16="http://schemas.microsoft.com/office/drawing/2014/main" id="{7397514F-9236-13E8-E1E0-2E790C1BA7AA}"/>
+                <a16:creationId xmlns:a16="http://schemas.microsoft.com/office/drawing/2014/main" id="{28847941-D409-C1B9-CF0D-2A5E3B884E03}"/>
               </a:ext>
             </a:extLst>
           </p:cNvPr>
@@ -2574,7 +2574,7 @@
           <p:cNvPr id="4" name="文本占位符 3">
             <a:extLst>
               <a:ext uri="{FF2B5EF4-FFF2-40B4-BE49-F238E27FC236}">
-                <a16:creationId xmlns:a16="http://schemas.microsoft.com/office/drawing/2014/main" id="{3BA6A54C-DFE8-CF9F-B60B-FC76345A1BBF}"/>
+                <a16:creationId xmlns:a16="http://schemas.microsoft.com/office/drawing/2014/main" id="{7849D7F7-ADAF-665B-EC70-1AC4605D0608}"/>
               </a:ext>
             </a:extLst>
           </p:cNvPr>
@@ -2645,7 +2645,7 @@
           <p:cNvPr id="5" name="日期占位符 4">
             <a:extLst>
               <a:ext uri="{FF2B5EF4-FFF2-40B4-BE49-F238E27FC236}">
-                <a16:creationId xmlns:a16="http://schemas.microsoft.com/office/drawing/2014/main" id="{A6387B2C-AAF4-EC4B-F3D4-E8061C10D106}"/>
+                <a16:creationId xmlns:a16="http://schemas.microsoft.com/office/drawing/2014/main" id="{34DE71D1-D5AB-421B-C3F8-75FABD38C930}"/>
               </a:ext>
             </a:extLst>
           </p:cNvPr>
@@ -2661,7 +2661,7 @@
           <a:bodyPr/>
           <a:lstStyle/>
           <a:p>
-            <a:fld id="{63D18575-257E-457E-B65E-A9583AB490FA}" type="datetimeFigureOut">
+            <a:fld id="{0551BC3E-4F99-4105-A417-15AB04F30EB2}" type="datetimeFigureOut">
               <a:rPr lang="zh-CN" altLang="en-US" smtClean="0"/>
               <a:t>2024/3/10</a:t>
             </a:fld>
@@ -2674,7 +2674,7 @@
           <p:cNvPr id="6" name="页脚占位符 5">
             <a:extLst>
               <a:ext uri="{FF2B5EF4-FFF2-40B4-BE49-F238E27FC236}">
-                <a16:creationId xmlns:a16="http://schemas.microsoft.com/office/drawing/2014/main" id="{64C72476-231A-AB4C-E4A2-0443D5B4530E}"/>
+                <a16:creationId xmlns:a16="http://schemas.microsoft.com/office/drawing/2014/main" id="{35F3BD8C-C674-8EBC-7AC5-F246D899FC9E}"/>
               </a:ext>
             </a:extLst>
           </p:cNvPr>
@@ -2699,7 +2699,7 @@
           <p:cNvPr id="7" name="灯片编号占位符 6">
             <a:extLst>
               <a:ext uri="{FF2B5EF4-FFF2-40B4-BE49-F238E27FC236}">
-                <a16:creationId xmlns:a16="http://schemas.microsoft.com/office/drawing/2014/main" id="{EAAE22B5-5923-7F35-046C-C42ACB4E89C8}"/>
+                <a16:creationId xmlns:a16="http://schemas.microsoft.com/office/drawing/2014/main" id="{20022736-17BE-4CC3-30E0-92E185C4011C}"/>
               </a:ext>
             </a:extLst>
           </p:cNvPr>
@@ -2715,7 +2715,7 @@
           <a:bodyPr/>
           <a:lstStyle/>
           <a:p>
-            <a:fld id="{42A4C817-3BAF-4997-98C7-40C2983DBDF2}" type="slidenum">
+            <a:fld id="{92A5A891-6487-4FBB-B185-87CBED107859}" type="slidenum">
               <a:rPr lang="zh-CN" altLang="en-US" smtClean="0"/>
               <a:t>‹#›</a:t>
             </a:fld>
@@ -2726,7 +2726,7 @@
     </p:spTree>
     <p:extLst>
       <p:ext uri="{BB962C8B-B14F-4D97-AF65-F5344CB8AC3E}">
-        <p14:creationId xmlns:p14="http://schemas.microsoft.com/office/powerpoint/2010/main" val="3538417676"/>
+        <p14:creationId xmlns:p14="http://schemas.microsoft.com/office/powerpoint/2010/main" val="1899120961"/>
       </p:ext>
     </p:extLst>
   </p:cSld>
@@ -2763,7 +2763,7 @@
           <p:cNvPr id="2" name="标题占位符 1">
             <a:extLst>
               <a:ext uri="{FF2B5EF4-FFF2-40B4-BE49-F238E27FC236}">
-                <a16:creationId xmlns:a16="http://schemas.microsoft.com/office/drawing/2014/main" id="{20D3C80B-E0E8-E84B-5673-E11FD05341BA}"/>
+                <a16:creationId xmlns:a16="http://schemas.microsoft.com/office/drawing/2014/main" id="{65676D6F-39CD-6BA8-C4D9-18BA1F614830}"/>
               </a:ext>
             </a:extLst>
           </p:cNvPr>
@@ -2801,7 +2801,7 @@
           <p:cNvPr id="3" name="文本占位符 2">
             <a:extLst>
               <a:ext uri="{FF2B5EF4-FFF2-40B4-BE49-F238E27FC236}">
-                <a16:creationId xmlns:a16="http://schemas.microsoft.com/office/drawing/2014/main" id="{6E15BEDB-3874-E3FC-0F86-B2B9745A3E96}"/>
+                <a16:creationId xmlns:a16="http://schemas.microsoft.com/office/drawing/2014/main" id="{70BD16FC-D668-5A41-0814-BF9DD5C81F0E}"/>
               </a:ext>
             </a:extLst>
           </p:cNvPr>
@@ -2868,7 +2868,7 @@
           <p:cNvPr id="4" name="日期占位符 3">
             <a:extLst>
               <a:ext uri="{FF2B5EF4-FFF2-40B4-BE49-F238E27FC236}">
-                <a16:creationId xmlns:a16="http://schemas.microsoft.com/office/drawing/2014/main" id="{DED220B7-85D0-DD6C-603C-DB2A83185B3B}"/>
+                <a16:creationId xmlns:a16="http://schemas.microsoft.com/office/drawing/2014/main" id="{37656BC4-2A8B-9520-E3DB-1E2189675160}"/>
               </a:ext>
             </a:extLst>
           </p:cNvPr>
@@ -2902,7 +2902,7 @@
             </a:lvl1pPr>
           </a:lstStyle>
           <a:p>
-            <a:fld id="{63D18575-257E-457E-B65E-A9583AB490FA}" type="datetimeFigureOut">
+            <a:fld id="{0551BC3E-4F99-4105-A417-15AB04F30EB2}" type="datetimeFigureOut">
               <a:rPr lang="zh-CN" altLang="en-US" smtClean="0"/>
               <a:t>2024/3/10</a:t>
             </a:fld>
@@ -2915,7 +2915,7 @@
           <p:cNvPr id="5" name="页脚占位符 4">
             <a:extLst>
               <a:ext uri="{FF2B5EF4-FFF2-40B4-BE49-F238E27FC236}">
-                <a16:creationId xmlns:a16="http://schemas.microsoft.com/office/drawing/2014/main" id="{224B804C-6ED7-3B76-8112-99144F7BADEF}"/>
+                <a16:creationId xmlns:a16="http://schemas.microsoft.com/office/drawing/2014/main" id="{31E6AB14-1E71-42EB-F0C8-E70DD516ACF8}"/>
               </a:ext>
             </a:extLst>
           </p:cNvPr>
@@ -2958,7 +2958,7 @@
           <p:cNvPr id="6" name="灯片编号占位符 5">
             <a:extLst>
               <a:ext uri="{FF2B5EF4-FFF2-40B4-BE49-F238E27FC236}">
-                <a16:creationId xmlns:a16="http://schemas.microsoft.com/office/drawing/2014/main" id="{131E9C89-BF1E-CD8B-EEA6-9E182ABFC381}"/>
+                <a16:creationId xmlns:a16="http://schemas.microsoft.com/office/drawing/2014/main" id="{3055D36B-D0ED-0864-136F-266AE58E413F}"/>
               </a:ext>
             </a:extLst>
           </p:cNvPr>
@@ -2992,7 +2992,7 @@
             </a:lvl1pPr>
           </a:lstStyle>
           <a:p>
-            <a:fld id="{42A4C817-3BAF-4997-98C7-40C2983DBDF2}" type="slidenum">
+            <a:fld id="{92A5A891-6487-4FBB-B185-87CBED107859}" type="slidenum">
               <a:rPr lang="zh-CN" altLang="en-US" smtClean="0"/>
               <a:t>‹#›</a:t>
             </a:fld>
@@ -3003,7 +3003,7 @@
     </p:spTree>
     <p:extLst>
       <p:ext uri="{BB962C8B-B14F-4D97-AF65-F5344CB8AC3E}">
-        <p14:creationId xmlns:p14="http://schemas.microsoft.com/office/powerpoint/2010/main" val="2148542772"/>
+        <p14:creationId xmlns:p14="http://schemas.microsoft.com/office/powerpoint/2010/main" val="4164852506"/>
       </p:ext>
     </p:extLst>
   </p:cSld>
